--- a/documents/프레젠테이션1.pptx
+++ b/documents/프레젠테이션1.pptx
@@ -3093,7 +3093,7 @@
         </p:nvSpPr>
         <p:spPr>
           <a:xfrm>
-            <a:off x="529421" y="888203"/>
+            <a:off x="583698" y="239160"/>
             <a:ext cx="34818314" cy="2843086"/>
           </a:xfrm>
           <a:prstGeom prst="rect">
@@ -4122,6 +4122,156 @@
           </a:prstGeom>
         </p:spPr>
       </p:pic>
+      <p:sp>
+        <p:nvSpPr>
+          <p:cNvPr id="22" name="TextBox 21"/>
+          <p:cNvSpPr txBox="1"/>
+          <p:nvPr/>
+        </p:nvSpPr>
+        <p:spPr>
+          <a:xfrm>
+            <a:off x="16817357" y="3446537"/>
+            <a:ext cx="20113071" cy="2123658"/>
+          </a:xfrm>
+          <a:prstGeom prst="rect">
+            <a:avLst/>
+          </a:prstGeom>
+          <a:noFill/>
+        </p:spPr>
+        <p:txBody>
+          <a:bodyPr wrap="square" rtlCol="0">
+            <a:spAutoFit/>
+          </a:bodyPr>
+          <a:lstStyle/>
+          <a:p>
+            <a:pPr>
+              <a:lnSpc>
+                <a:spcPct val="150000"/>
+              </a:lnSpc>
+            </a:pPr>
+            <a:r>
+              <a:rPr lang="ko-KR" altLang="en-US" sz="8800" spc="420" smtClean="0">
+                <a:latin typeface="210 맨발의청춘 B" panose="02020603020101020101" pitchFamily="18" charset="-127"/>
+                <a:ea typeface="210 맨발의청춘 B" panose="02020603020101020101" pitchFamily="18" charset="-127"/>
+              </a:rPr>
+              <a:t>두뇌는 국산이지만 언어는 수입입니다</a:t>
+            </a:r>
+            <a:r>
+              <a:rPr lang="en-US" altLang="ko-KR" sz="8800" spc="420" smtClean="0">
+                <a:latin typeface="210 맨발의청춘 B" panose="02020603020101020101" pitchFamily="18" charset="-127"/>
+                <a:ea typeface="210 맨발의청춘 B" panose="02020603020101020101" pitchFamily="18" charset="-127"/>
+              </a:rPr>
+              <a:t>.</a:t>
+            </a:r>
+            <a:endParaRPr lang="en-US" altLang="ko-KR" sz="8800" spc="420">
+              <a:latin typeface="210 맨발의청춘 B" panose="02020603020101020101" pitchFamily="18" charset="-127"/>
+              <a:ea typeface="210 맨발의청춘 B" panose="02020603020101020101" pitchFamily="18" charset="-127"/>
+            </a:endParaRPr>
+          </a:p>
+        </p:txBody>
+      </p:sp>
+      <p:sp>
+        <p:nvSpPr>
+          <p:cNvPr id="3" name="L 도형 2"/>
+          <p:cNvSpPr/>
+          <p:nvPr/>
+        </p:nvSpPr>
+        <p:spPr>
+          <a:xfrm rot="5400000">
+            <a:off x="16471733" y="3641228"/>
+            <a:ext cx="691247" cy="691247"/>
+          </a:xfrm>
+          <a:prstGeom prst="corner">
+            <a:avLst>
+              <a:gd name="adj1" fmla="val 14885"/>
+              <a:gd name="adj2" fmla="val 14885"/>
+            </a:avLst>
+          </a:prstGeom>
+          <a:solidFill>
+            <a:schemeClr val="accent2"/>
+          </a:solidFill>
+          <a:ln>
+            <a:solidFill>
+              <a:schemeClr val="accent2"/>
+            </a:solidFill>
+          </a:ln>
+        </p:spPr>
+        <p:style>
+          <a:lnRef idx="2">
+            <a:schemeClr val="accent1">
+              <a:shade val="50000"/>
+            </a:schemeClr>
+          </a:lnRef>
+          <a:fillRef idx="1">
+            <a:schemeClr val="accent1"/>
+          </a:fillRef>
+          <a:effectRef idx="0">
+            <a:schemeClr val="accent1"/>
+          </a:effectRef>
+          <a:fontRef idx="minor">
+            <a:schemeClr val="lt1"/>
+          </a:fontRef>
+        </p:style>
+        <p:txBody>
+          <a:bodyPr rtlCol="0" anchor="ctr"/>
+          <a:lstStyle/>
+          <a:p>
+            <a:pPr algn="ctr"/>
+            <a:endParaRPr lang="ko-KR" altLang="en-US"/>
+          </a:p>
+        </p:txBody>
+      </p:sp>
+      <p:sp>
+        <p:nvSpPr>
+          <p:cNvPr id="24" name="L 도형 23"/>
+          <p:cNvSpPr/>
+          <p:nvPr/>
+        </p:nvSpPr>
+        <p:spPr>
+          <a:xfrm rot="16200000">
+            <a:off x="34840792" y="4808440"/>
+            <a:ext cx="629878" cy="629878"/>
+          </a:xfrm>
+          <a:prstGeom prst="corner">
+            <a:avLst>
+              <a:gd name="adj1" fmla="val 14885"/>
+              <a:gd name="adj2" fmla="val 14885"/>
+            </a:avLst>
+          </a:prstGeom>
+          <a:solidFill>
+            <a:schemeClr val="accent2"/>
+          </a:solidFill>
+          <a:ln>
+            <a:solidFill>
+              <a:schemeClr val="accent2"/>
+            </a:solidFill>
+          </a:ln>
+        </p:spPr>
+        <p:style>
+          <a:lnRef idx="2">
+            <a:schemeClr val="accent1">
+              <a:shade val="50000"/>
+            </a:schemeClr>
+          </a:lnRef>
+          <a:fillRef idx="1">
+            <a:schemeClr val="accent1"/>
+          </a:fillRef>
+          <a:effectRef idx="0">
+            <a:schemeClr val="accent1"/>
+          </a:effectRef>
+          <a:fontRef idx="minor">
+            <a:schemeClr val="lt1"/>
+          </a:fontRef>
+        </p:style>
+        <p:txBody>
+          <a:bodyPr rtlCol="0" anchor="ctr"/>
+          <a:lstStyle/>
+          <a:p>
+            <a:pPr algn="ctr"/>
+            <a:endParaRPr lang="ko-KR" altLang="en-US"/>
+          </a:p>
+        </p:txBody>
+      </p:sp>
     </p:spTree>
     <p:extLst>
       <p:ext uri="{BB962C8B-B14F-4D97-AF65-F5344CB8AC3E}">
